--- a/powerpoint/Vorstellung_Team_h0urTime.pptx
+++ b/powerpoint/Vorstellung_Team_h0urTime.pptx
@@ -206,7 +206,7 @@
           <a:p>
             <a:fld id="{AB5E4F6C-C061-4845-A089-4FF040B47014}" type="datetimeFigureOut">
               <a:rPr lang="de-DE" smtClean="0"/>
-              <a:t>27.03.2019</a:t>
+              <a:t>28.03.2019</a:t>
             </a:fld>
             <a:endParaRPr lang="de-DE"/>
           </a:p>
@@ -371,7 +371,7 @@
           <a:p>
             <a:fld id="{094B3721-6900-4E41-82FA-8FE10D444654}" type="datetimeFigureOut">
               <a:rPr lang="de-DE" smtClean="0"/>
-              <a:t>27.03.2019</a:t>
+              <a:t>28.03.2019</a:t>
             </a:fld>
             <a:endParaRPr lang="de-DE"/>
           </a:p>
@@ -931,7 +931,7 @@
             <a:fld id="{EC63AFD3-BE1C-4EA5-ADD6-19434AD6A6EE}" type="datetime1">
               <a:rPr lang="en-US" smtClean="0"/>
               <a:pPr/>
-              <a:t>3/27/2019</a:t>
+              <a:t>3/28/2019</a:t>
             </a:fld>
             <a:endParaRPr lang="en-US" dirty="0"/>
           </a:p>
@@ -1220,7 +1220,7 @@
           <a:p>
             <a:fld id="{227D0AD0-DB89-4994-81D0-58076AFC2352}" type="datetime1">
               <a:rPr lang="en-US" smtClean="0"/>
-              <a:t>3/27/2019</a:t>
+              <a:t>3/28/2019</a:t>
             </a:fld>
             <a:endParaRPr lang="en-US" dirty="0"/>
           </a:p>
@@ -1454,7 +1454,7 @@
           <a:p>
             <a:fld id="{0EC96989-86A9-44C7-9C39-5C2729380B95}" type="datetime1">
               <a:rPr lang="en-US" smtClean="0"/>
-              <a:t>3/27/2019</a:t>
+              <a:t>3/28/2019</a:t>
             </a:fld>
             <a:endParaRPr lang="en-US" dirty="0"/>
           </a:p>
@@ -1688,7 +1688,7 @@
           <a:p>
             <a:fld id="{54DB9EDE-BBFB-4621-9075-377C517B0D00}" type="datetime1">
               <a:rPr lang="en-US" smtClean="0"/>
-              <a:t>3/27/2019</a:t>
+              <a:t>3/28/2019</a:t>
             </a:fld>
             <a:endParaRPr lang="en-US" dirty="0"/>
           </a:p>
@@ -1932,7 +1932,7 @@
           <a:p>
             <a:fld id="{092B85DF-AA35-4754-B3B5-E2851809F0AF}" type="datetime1">
               <a:rPr lang="en-US" smtClean="0"/>
-              <a:t>3/27/2019</a:t>
+              <a:t>3/28/2019</a:t>
             </a:fld>
             <a:endParaRPr lang="en-US" dirty="0"/>
           </a:p>
@@ -2210,7 +2210,7 @@
             <a:fld id="{1A3C9724-8682-480C-81BF-FF5AF18882EE}" type="datetime1">
               <a:rPr lang="en-US" smtClean="0"/>
               <a:pPr/>
-              <a:t>3/27/2019</a:t>
+              <a:t>3/28/2019</a:t>
             </a:fld>
             <a:endParaRPr lang="en-US" dirty="0"/>
           </a:p>
@@ -2592,7 +2592,7 @@
           <a:p>
             <a:fld id="{50D475EA-F5D8-4C6B-8212-5E22E9F009A6}" type="datetime1">
               <a:rPr lang="en-US" smtClean="0"/>
-              <a:t>3/27/2019</a:t>
+              <a:t>3/28/2019</a:t>
             </a:fld>
             <a:endParaRPr lang="en-US" dirty="0"/>
           </a:p>
@@ -3095,7 +3095,7 @@
           <a:p>
             <a:fld id="{AAA7BA4A-3051-41D8-ADB8-1FE5CC96D12A}" type="datetime1">
               <a:rPr lang="en-US" smtClean="0"/>
-              <a:t>3/27/2019</a:t>
+              <a:t>3/28/2019</a:t>
             </a:fld>
             <a:endParaRPr lang="en-US" dirty="0"/>
           </a:p>
@@ -3256,7 +3256,7 @@
           <a:p>
             <a:fld id="{424497E3-5E1D-4152-87C5-62F0A19A0A6A}" type="datetime1">
               <a:rPr lang="en-US" smtClean="0"/>
-              <a:t>3/27/2019</a:t>
+              <a:t>3/28/2019</a:t>
             </a:fld>
             <a:endParaRPr lang="en-US" dirty="0"/>
           </a:p>
@@ -3417,7 +3417,7 @@
           <a:p>
             <a:fld id="{1A8181BA-69A1-4D4B-AB2B-6E9817AEA5AB}" type="datetime1">
               <a:rPr lang="en-US" smtClean="0"/>
-              <a:t>3/27/2019</a:t>
+              <a:t>3/28/2019</a:t>
             </a:fld>
             <a:endParaRPr lang="en-US" dirty="0"/>
           </a:p>
@@ -3570,7 +3570,7 @@
           <a:p>
             <a:fld id="{A52F69E4-AF81-4B1D-AF95-2BC119ACB39C}" type="datetime1">
               <a:rPr lang="en-US" smtClean="0"/>
-              <a:t>3/27/2019</a:t>
+              <a:t>3/28/2019</a:t>
             </a:fld>
             <a:endParaRPr lang="en-US" dirty="0"/>
           </a:p>
@@ -3945,7 +3945,7 @@
             <a:fld id="{D2F8711C-B4DE-42DC-A811-40502479AD9C}" type="datetime1">
               <a:rPr lang="en-US" smtClean="0"/>
               <a:pPr/>
-              <a:t>3/27/2019</a:t>
+              <a:t>3/28/2019</a:t>
             </a:fld>
             <a:endParaRPr lang="en-US" dirty="0"/>
           </a:p>
@@ -4169,7 +4169,7 @@
             <a:fld id="{76932E1F-BA17-4BF4-AA9E-74AFB0AED78A}" type="datetime1">
               <a:rPr lang="en-US" smtClean="0"/>
               <a:pPr/>
-              <a:t>3/27/2019</a:t>
+              <a:t>3/28/2019</a:t>
             </a:fld>
             <a:endParaRPr lang="en-US" dirty="0"/>
           </a:p>
@@ -4846,8 +4846,13 @@
           <a:p>
             <a:r>
               <a:rPr lang="de-DE" dirty="0"/>
-              <a:t>Gruppe 4 – h0urTime</a:t>
-            </a:r>
+              <a:t>Gruppe 4 – </a:t>
+            </a:r>
+            <a:r>
+              <a:rPr lang="de-DE" dirty="0" err="1"/>
+              <a:t>hourTime</a:t>
+            </a:r>
+            <a:endParaRPr lang="de-DE" dirty="0"/>
           </a:p>
         </p:txBody>
       </p:sp>
@@ -4936,6 +4941,36 @@
           </a:p>
         </p:txBody>
       </p:sp>
+      <p:pic>
+        <p:nvPicPr>
+          <p:cNvPr id="7" name="Grafik 6">
+            <a:extLst>
+              <a:ext uri="{FF2B5EF4-FFF2-40B4-BE49-F238E27FC236}">
+                <a16:creationId xmlns:a16="http://schemas.microsoft.com/office/drawing/2014/main" id="{2D8FF85E-9BBF-41E1-81F3-C5261AE56717}"/>
+              </a:ext>
+            </a:extLst>
+          </p:cNvPr>
+          <p:cNvPicPr>
+            <a:picLocks noChangeAspect="1"/>
+          </p:cNvPicPr>
+          <p:nvPr/>
+        </p:nvPicPr>
+        <p:blipFill>
+          <a:blip r:embed="rId5"/>
+          <a:stretch>
+            <a:fillRect/>
+          </a:stretch>
+        </p:blipFill>
+        <p:spPr>
+          <a:xfrm>
+            <a:off x="207915" y="2036617"/>
+            <a:ext cx="8728169" cy="2149311"/>
+          </a:xfrm>
+          <a:prstGeom prst="rect">
+            <a:avLst/>
+          </a:prstGeom>
+        </p:spPr>
+      </p:pic>
     </p:spTree>
     <p:extLst>
       <p:ext uri="{BB962C8B-B14F-4D97-AF65-F5344CB8AC3E}">
@@ -5023,14 +5058,11 @@
           <a:p>
             <a:r>
               <a:rPr lang="de-DE" dirty="0"/>
-              <a:t>Stundenplan</a:t>
-            </a:r>
-          </a:p>
-          <a:p>
-            <a:r>
-              <a:rPr lang="de-DE" dirty="0"/>
-              <a:t>Terminfinder für Gruppen</a:t>
-            </a:r>
+              <a:t>Terminübersicht</a:t>
+            </a:r>
+          </a:p>
+          <a:p>
+            <a:endParaRPr lang="de-DE" dirty="0"/>
           </a:p>
         </p:txBody>
       </p:sp>
@@ -5141,36 +5173,6 @@
           </a:p>
         </p:txBody>
       </p:sp>
-      <p:pic>
-        <p:nvPicPr>
-          <p:cNvPr id="8" name="Inhaltsplatzhalter 4">
-            <a:extLst>
-              <a:ext uri="{FF2B5EF4-FFF2-40B4-BE49-F238E27FC236}">
-                <a16:creationId xmlns:a16="http://schemas.microsoft.com/office/drawing/2014/main" id="{6205C31B-797D-4B58-B513-0D0F87C00C29}"/>
-              </a:ext>
-            </a:extLst>
-          </p:cNvPr>
-          <p:cNvPicPr>
-            <a:picLocks noChangeAspect="1"/>
-          </p:cNvPicPr>
-          <p:nvPr/>
-        </p:nvPicPr>
-        <p:blipFill>
-          <a:blip r:embed="rId2"/>
-          <a:stretch>
-            <a:fillRect/>
-          </a:stretch>
-        </p:blipFill>
-        <p:spPr>
-          <a:xfrm>
-            <a:off x="328184" y="3087845"/>
-            <a:ext cx="8487632" cy="1941065"/>
-          </a:xfrm>
-          <a:prstGeom prst="rect">
-            <a:avLst/>
-          </a:prstGeom>
-        </p:spPr>
-      </p:pic>
       <p:sp>
         <p:nvSpPr>
           <p:cNvPr id="4" name="Foliennummernplatzhalter 3">
@@ -5217,6 +5219,36 @@
           </a:p>
         </p:txBody>
       </p:sp>
+      <p:pic>
+        <p:nvPicPr>
+          <p:cNvPr id="3" name="Grafik 2">
+            <a:extLst>
+              <a:ext uri="{FF2B5EF4-FFF2-40B4-BE49-F238E27FC236}">
+                <a16:creationId xmlns:a16="http://schemas.microsoft.com/office/drawing/2014/main" id="{D1839F6E-A33B-481B-80AC-2961C424C70B}"/>
+              </a:ext>
+            </a:extLst>
+          </p:cNvPr>
+          <p:cNvPicPr>
+            <a:picLocks noChangeAspect="1"/>
+          </p:cNvPicPr>
+          <p:nvPr/>
+        </p:nvPicPr>
+        <p:blipFill>
+          <a:blip r:embed="rId2"/>
+          <a:stretch>
+            <a:fillRect/>
+          </a:stretch>
+        </p:blipFill>
+        <p:spPr>
+          <a:xfrm>
+            <a:off x="40671" y="3069475"/>
+            <a:ext cx="9062658" cy="2072570"/>
+          </a:xfrm>
+          <a:prstGeom prst="rect">
+            <a:avLst/>
+          </a:prstGeom>
+        </p:spPr>
+      </p:pic>
     </p:spTree>
     <p:extLst>
       <p:ext uri="{BB962C8B-B14F-4D97-AF65-F5344CB8AC3E}">
@@ -5298,19 +5330,24 @@
           <a:p>
             <a:r>
               <a:rPr lang="de-DE" dirty="0"/>
-              <a:t>Frontend</a:t>
-            </a:r>
-          </a:p>
-          <a:p>
-            <a:r>
-              <a:rPr lang="de-DE" dirty="0"/>
-              <a:t>Backend</a:t>
-            </a:r>
-          </a:p>
-          <a:p>
-            <a:r>
-              <a:rPr lang="de-DE" dirty="0"/>
-              <a:t>Datenbank</a:t>
+              <a:t>Frontend: Patrick </a:t>
+            </a:r>
+            <a:r>
+              <a:rPr lang="de-DE" dirty="0" err="1"/>
+              <a:t>Ciora</a:t>
+            </a:r>
+            <a:endParaRPr lang="de-DE" dirty="0"/>
+          </a:p>
+          <a:p>
+            <a:r>
+              <a:rPr lang="de-DE" dirty="0"/>
+              <a:t>Backend: Michel Thai-Thanh</a:t>
+            </a:r>
+          </a:p>
+          <a:p>
+            <a:r>
+              <a:rPr lang="de-DE" dirty="0"/>
+              <a:t>Datenbank: Kai Paule</a:t>
             </a:r>
           </a:p>
         </p:txBody>

--- a/powerpoint/Vorstellung_Team_h0urTime.pptx
+++ b/powerpoint/Vorstellung_Team_h0urTime.pptx
@@ -5309,51 +5309,6 @@
       </p:sp>
       <p:sp>
         <p:nvSpPr>
-          <p:cNvPr id="3" name="Inhaltsplatzhalter 2">
-            <a:extLst>
-              <a:ext uri="{FF2B5EF4-FFF2-40B4-BE49-F238E27FC236}">
-                <a16:creationId xmlns:a16="http://schemas.microsoft.com/office/drawing/2014/main" id="{8E5429F1-515A-40E7-9D5E-6B66DB5E504E}"/>
-              </a:ext>
-            </a:extLst>
-          </p:cNvPr>
-          <p:cNvSpPr>
-            <a:spLocks noGrp="1"/>
-          </p:cNvSpPr>
-          <p:nvPr>
-            <p:ph idx="1"/>
-          </p:nvPr>
-        </p:nvSpPr>
-        <p:spPr/>
-        <p:txBody>
-          <a:bodyPr/>
-          <a:lstStyle/>
-          <a:p>
-            <a:r>
-              <a:rPr lang="de-DE" dirty="0"/>
-              <a:t>Frontend: Patrick </a:t>
-            </a:r>
-            <a:r>
-              <a:rPr lang="de-DE" dirty="0" err="1"/>
-              <a:t>Ciora</a:t>
-            </a:r>
-            <a:endParaRPr lang="de-DE" dirty="0"/>
-          </a:p>
-          <a:p>
-            <a:r>
-              <a:rPr lang="de-DE" dirty="0"/>
-              <a:t>Backend: Michel Thai-Thanh</a:t>
-            </a:r>
-          </a:p>
-          <a:p>
-            <a:r>
-              <a:rPr lang="de-DE" dirty="0"/>
-              <a:t>Datenbank: Kai Paule</a:t>
-            </a:r>
-          </a:p>
-        </p:txBody>
-      </p:sp>
-      <p:sp>
-        <p:nvSpPr>
           <p:cNvPr id="4" name="Foliennummernplatzhalter 3">
             <a:extLst>
               <a:ext uri="{FF2B5EF4-FFF2-40B4-BE49-F238E27FC236}">
@@ -5382,6 +5337,36 @@
           </a:p>
         </p:txBody>
       </p:sp>
+      <p:pic>
+        <p:nvPicPr>
+          <p:cNvPr id="8" name="Grafik 7">
+            <a:extLst>
+              <a:ext uri="{FF2B5EF4-FFF2-40B4-BE49-F238E27FC236}">
+                <a16:creationId xmlns:a16="http://schemas.microsoft.com/office/drawing/2014/main" id="{3EF02D53-9275-4D4F-80A9-BDEA343AD37F}"/>
+              </a:ext>
+            </a:extLst>
+          </p:cNvPr>
+          <p:cNvPicPr>
+            <a:picLocks noChangeAspect="1"/>
+          </p:cNvPicPr>
+          <p:nvPr/>
+        </p:nvPicPr>
+        <p:blipFill>
+          <a:blip r:embed="rId2"/>
+          <a:stretch>
+            <a:fillRect/>
+          </a:stretch>
+        </p:blipFill>
+        <p:spPr>
+          <a:xfrm>
+            <a:off x="296551" y="3101876"/>
+            <a:ext cx="8550897" cy="1967405"/>
+          </a:xfrm>
+          <a:prstGeom prst="rect">
+            <a:avLst/>
+          </a:prstGeom>
+        </p:spPr>
+      </p:pic>
     </p:spTree>
     <p:extLst>
       <p:ext uri="{BB962C8B-B14F-4D97-AF65-F5344CB8AC3E}">

--- a/powerpoint/Vorstellung_Team_h0urTime.pptx
+++ b/powerpoint/Vorstellung_Team_h0urTime.pptx
@@ -206,7 +206,7 @@
           <a:p>
             <a:fld id="{AB5E4F6C-C061-4845-A089-4FF040B47014}" type="datetimeFigureOut">
               <a:rPr lang="de-DE" smtClean="0"/>
-              <a:t>28.03.2019</a:t>
+              <a:t>01.04.2019</a:t>
             </a:fld>
             <a:endParaRPr lang="de-DE"/>
           </a:p>
@@ -371,7 +371,7 @@
           <a:p>
             <a:fld id="{094B3721-6900-4E41-82FA-8FE10D444654}" type="datetimeFigureOut">
               <a:rPr lang="de-DE" smtClean="0"/>
-              <a:t>28.03.2019</a:t>
+              <a:t>01.04.2019</a:t>
             </a:fld>
             <a:endParaRPr lang="de-DE"/>
           </a:p>
@@ -931,7 +931,7 @@
             <a:fld id="{EC63AFD3-BE1C-4EA5-ADD6-19434AD6A6EE}" type="datetime1">
               <a:rPr lang="en-US" smtClean="0"/>
               <a:pPr/>
-              <a:t>3/28/2019</a:t>
+              <a:t>4/1/2019</a:t>
             </a:fld>
             <a:endParaRPr lang="en-US" dirty="0"/>
           </a:p>
@@ -1220,7 +1220,7 @@
           <a:p>
             <a:fld id="{227D0AD0-DB89-4994-81D0-58076AFC2352}" type="datetime1">
               <a:rPr lang="en-US" smtClean="0"/>
-              <a:t>3/28/2019</a:t>
+              <a:t>4/1/2019</a:t>
             </a:fld>
             <a:endParaRPr lang="en-US" dirty="0"/>
           </a:p>
@@ -1454,7 +1454,7 @@
           <a:p>
             <a:fld id="{0EC96989-86A9-44C7-9C39-5C2729380B95}" type="datetime1">
               <a:rPr lang="en-US" smtClean="0"/>
-              <a:t>3/28/2019</a:t>
+              <a:t>4/1/2019</a:t>
             </a:fld>
             <a:endParaRPr lang="en-US" dirty="0"/>
           </a:p>
@@ -1688,7 +1688,7 @@
           <a:p>
             <a:fld id="{54DB9EDE-BBFB-4621-9075-377C517B0D00}" type="datetime1">
               <a:rPr lang="en-US" smtClean="0"/>
-              <a:t>3/28/2019</a:t>
+              <a:t>4/1/2019</a:t>
             </a:fld>
             <a:endParaRPr lang="en-US" dirty="0"/>
           </a:p>
@@ -1932,7 +1932,7 @@
           <a:p>
             <a:fld id="{092B85DF-AA35-4754-B3B5-E2851809F0AF}" type="datetime1">
               <a:rPr lang="en-US" smtClean="0"/>
-              <a:t>3/28/2019</a:t>
+              <a:t>4/1/2019</a:t>
             </a:fld>
             <a:endParaRPr lang="en-US" dirty="0"/>
           </a:p>
@@ -2210,7 +2210,7 @@
             <a:fld id="{1A3C9724-8682-480C-81BF-FF5AF18882EE}" type="datetime1">
               <a:rPr lang="en-US" smtClean="0"/>
               <a:pPr/>
-              <a:t>3/28/2019</a:t>
+              <a:t>4/1/2019</a:t>
             </a:fld>
             <a:endParaRPr lang="en-US" dirty="0"/>
           </a:p>
@@ -2592,7 +2592,7 @@
           <a:p>
             <a:fld id="{50D475EA-F5D8-4C6B-8212-5E22E9F009A6}" type="datetime1">
               <a:rPr lang="en-US" smtClean="0"/>
-              <a:t>3/28/2019</a:t>
+              <a:t>4/1/2019</a:t>
             </a:fld>
             <a:endParaRPr lang="en-US" dirty="0"/>
           </a:p>
@@ -3095,7 +3095,7 @@
           <a:p>
             <a:fld id="{AAA7BA4A-3051-41D8-ADB8-1FE5CC96D12A}" type="datetime1">
               <a:rPr lang="en-US" smtClean="0"/>
-              <a:t>3/28/2019</a:t>
+              <a:t>4/1/2019</a:t>
             </a:fld>
             <a:endParaRPr lang="en-US" dirty="0"/>
           </a:p>
@@ -3256,7 +3256,7 @@
           <a:p>
             <a:fld id="{424497E3-5E1D-4152-87C5-62F0A19A0A6A}" type="datetime1">
               <a:rPr lang="en-US" smtClean="0"/>
-              <a:t>3/28/2019</a:t>
+              <a:t>4/1/2019</a:t>
             </a:fld>
             <a:endParaRPr lang="en-US" dirty="0"/>
           </a:p>
@@ -3417,7 +3417,7 @@
           <a:p>
             <a:fld id="{1A8181BA-69A1-4D4B-AB2B-6E9817AEA5AB}" type="datetime1">
               <a:rPr lang="en-US" smtClean="0"/>
-              <a:t>3/28/2019</a:t>
+              <a:t>4/1/2019</a:t>
             </a:fld>
             <a:endParaRPr lang="en-US" dirty="0"/>
           </a:p>
@@ -3570,7 +3570,7 @@
           <a:p>
             <a:fld id="{A52F69E4-AF81-4B1D-AF95-2BC119ACB39C}" type="datetime1">
               <a:rPr lang="en-US" smtClean="0"/>
-              <a:t>3/28/2019</a:t>
+              <a:t>4/1/2019</a:t>
             </a:fld>
             <a:endParaRPr lang="en-US" dirty="0"/>
           </a:p>
@@ -3945,7 +3945,7 @@
             <a:fld id="{D2F8711C-B4DE-42DC-A811-40502479AD9C}" type="datetime1">
               <a:rPr lang="en-US" smtClean="0"/>
               <a:pPr/>
-              <a:t>3/28/2019</a:t>
+              <a:t>4/1/2019</a:t>
             </a:fld>
             <a:endParaRPr lang="en-US" dirty="0"/>
           </a:p>
@@ -4169,7 +4169,7 @@
             <a:fld id="{76932E1F-BA17-4BF4-AA9E-74AFB0AED78A}" type="datetime1">
               <a:rPr lang="en-US" smtClean="0"/>
               <a:pPr/>
-              <a:t>3/28/2019</a:t>
+              <a:t>4/1/2019</a:t>
             </a:fld>
             <a:endParaRPr lang="en-US" dirty="0"/>
           </a:p>
@@ -5062,6 +5062,19 @@
             </a:r>
           </a:p>
           <a:p>
+            <a:r>
+              <a:rPr lang="de-DE" dirty="0"/>
+              <a:t>Gruppentermine</a:t>
+            </a:r>
+          </a:p>
+          <a:p>
+            <a:r>
+              <a:rPr lang="de-DE" dirty="0" err="1"/>
+              <a:t>Themes</a:t>
+            </a:r>
+            <a:endParaRPr lang="de-DE" dirty="0"/>
+          </a:p>
+          <a:p>
             <a:endParaRPr lang="de-DE" dirty="0"/>
           </a:p>
         </p:txBody>
@@ -5096,6 +5109,36 @@
           </a:p>
         </p:txBody>
       </p:sp>
+      <p:pic>
+        <p:nvPicPr>
+          <p:cNvPr id="5" name="Grafik 4">
+            <a:extLst>
+              <a:ext uri="{FF2B5EF4-FFF2-40B4-BE49-F238E27FC236}">
+                <a16:creationId xmlns:a16="http://schemas.microsoft.com/office/drawing/2014/main" id="{22870526-1567-41C6-BB17-04D583B16FCF}"/>
+              </a:ext>
+            </a:extLst>
+          </p:cNvPr>
+          <p:cNvPicPr>
+            <a:picLocks noChangeAspect="1"/>
+          </p:cNvPicPr>
+          <p:nvPr/>
+        </p:nvPicPr>
+        <p:blipFill>
+          <a:blip r:embed="rId2"/>
+          <a:stretch>
+            <a:fillRect/>
+          </a:stretch>
+        </p:blipFill>
+        <p:spPr>
+          <a:xfrm>
+            <a:off x="2814200" y="2080249"/>
+            <a:ext cx="6329800" cy="3589760"/>
+          </a:xfrm>
+          <a:prstGeom prst="rect">
+            <a:avLst/>
+          </a:prstGeom>
+        </p:spPr>
+      </p:pic>
     </p:spTree>
     <p:extLst>
       <p:ext uri="{BB962C8B-B14F-4D97-AF65-F5344CB8AC3E}">
